--- a/Praesentation.pptx
+++ b/Praesentation.pptx
@@ -5,14 +5,18 @@
     <p:sldMasterId id="2147483738" r:id="rId1"/>
   </p:sldMasterIdLst>
   <p:notesMasterIdLst>
-    <p:notesMasterId r:id="rId4"/>
+    <p:notesMasterId r:id="rId8"/>
   </p:notesMasterIdLst>
   <p:handoutMasterIdLst>
-    <p:handoutMasterId r:id="rId5"/>
+    <p:handoutMasterId r:id="rId9"/>
   </p:handoutMasterIdLst>
   <p:sldIdLst>
     <p:sldId id="256" r:id="rId2"/>
     <p:sldId id="257" r:id="rId3"/>
+    <p:sldId id="260" r:id="rId4"/>
+    <p:sldId id="262" r:id="rId5"/>
+    <p:sldId id="259" r:id="rId6"/>
+    <p:sldId id="261" r:id="rId7"/>
   </p:sldIdLst>
   <p:sldSz cx="9144000" cy="6858000" type="screen4x3"/>
   <p:notesSz cx="7099300" cy="10234613"/>
@@ -843,6 +847,266 @@
 </p:notesMaster>
 </file>
 
+<file path=ppt/notesSlides/notesSlide1.xml><?xml version="1.0" encoding="utf-8"?>
+<p:notes xmlns:a="http://schemas.openxmlformats.org/drawingml/2006/main" xmlns:r="http://schemas.openxmlformats.org/officeDocument/2006/relationships" xmlns:p="http://schemas.openxmlformats.org/presentationml/2006/main">
+  <p:cSld>
+    <p:spTree>
+      <p:nvGrpSpPr>
+        <p:cNvPr id="1" name=""/>
+        <p:cNvGrpSpPr/>
+        <p:nvPr/>
+      </p:nvGrpSpPr>
+      <p:grpSpPr>
+        <a:xfrm>
+          <a:off x="0" y="0"/>
+          <a:ext cx="0" cy="0"/>
+          <a:chOff x="0" y="0"/>
+          <a:chExt cx="0" cy="0"/>
+        </a:xfrm>
+      </p:grpSpPr>
+      <p:sp>
+        <p:nvSpPr>
+          <p:cNvPr id="2" name="Folienbildplatzhalter 1"/>
+          <p:cNvSpPr>
+            <a:spLocks noGrp="1" noRot="1" noChangeAspect="1"/>
+          </p:cNvSpPr>
+          <p:nvPr>
+            <p:ph type="sldImg"/>
+          </p:nvPr>
+        </p:nvSpPr>
+        <p:spPr/>
+      </p:sp>
+      <p:sp>
+        <p:nvSpPr>
+          <p:cNvPr id="3" name="Notizenplatzhalter 2"/>
+          <p:cNvSpPr>
+            <a:spLocks noGrp="1"/>
+          </p:cNvSpPr>
+          <p:nvPr>
+            <p:ph type="body" idx="1"/>
+          </p:nvPr>
+        </p:nvSpPr>
+        <p:spPr/>
+        <p:txBody>
+          <a:bodyPr/>
+          <a:lstStyle/>
+          <a:p>
+            <a:r>
+              <a:rPr lang="de-DE" dirty="0" smtClean="0"/>
+              <a:t>Stefan</a:t>
+            </a:r>
+            <a:endParaRPr lang="en-US" dirty="0"/>
+          </a:p>
+        </p:txBody>
+      </p:sp>
+    </p:spTree>
+    <p:extLst>
+      <p:ext uri="{BB962C8B-B14F-4D97-AF65-F5344CB8AC3E}">
+        <p14:creationId xmlns:p14="http://schemas.microsoft.com/office/powerpoint/2010/main" val="3014867911"/>
+      </p:ext>
+    </p:extLst>
+  </p:cSld>
+  <p:clrMapOvr>
+    <a:masterClrMapping/>
+  </p:clrMapOvr>
+</p:notes>
+</file>
+
+<file path=ppt/notesSlides/notesSlide2.xml><?xml version="1.0" encoding="utf-8"?>
+<p:notes xmlns:a="http://schemas.openxmlformats.org/drawingml/2006/main" xmlns:r="http://schemas.openxmlformats.org/officeDocument/2006/relationships" xmlns:p="http://schemas.openxmlformats.org/presentationml/2006/main">
+  <p:cSld>
+    <p:spTree>
+      <p:nvGrpSpPr>
+        <p:cNvPr id="1" name=""/>
+        <p:cNvGrpSpPr/>
+        <p:nvPr/>
+      </p:nvGrpSpPr>
+      <p:grpSpPr>
+        <a:xfrm>
+          <a:off x="0" y="0"/>
+          <a:ext cx="0" cy="0"/>
+          <a:chOff x="0" y="0"/>
+          <a:chExt cx="0" cy="0"/>
+        </a:xfrm>
+      </p:grpSpPr>
+      <p:sp>
+        <p:nvSpPr>
+          <p:cNvPr id="2" name="Folienbildplatzhalter 1"/>
+          <p:cNvSpPr>
+            <a:spLocks noGrp="1" noRot="1" noChangeAspect="1"/>
+          </p:cNvSpPr>
+          <p:nvPr>
+            <p:ph type="sldImg"/>
+          </p:nvPr>
+        </p:nvSpPr>
+        <p:spPr/>
+      </p:sp>
+      <p:sp>
+        <p:nvSpPr>
+          <p:cNvPr id="3" name="Notizenplatzhalter 2"/>
+          <p:cNvSpPr>
+            <a:spLocks noGrp="1"/>
+          </p:cNvSpPr>
+          <p:nvPr>
+            <p:ph type="body" idx="1"/>
+          </p:nvPr>
+        </p:nvSpPr>
+        <p:spPr/>
+        <p:txBody>
+          <a:bodyPr/>
+          <a:lstStyle/>
+          <a:p>
+            <a:r>
+              <a:rPr lang="de-DE" dirty="0" smtClean="0"/>
+              <a:t>Marija</a:t>
+            </a:r>
+            <a:endParaRPr lang="en-US" dirty="0"/>
+          </a:p>
+        </p:txBody>
+      </p:sp>
+    </p:spTree>
+    <p:extLst>
+      <p:ext uri="{BB962C8B-B14F-4D97-AF65-F5344CB8AC3E}">
+        <p14:creationId xmlns:p14="http://schemas.microsoft.com/office/powerpoint/2010/main" val="3215830683"/>
+      </p:ext>
+    </p:extLst>
+  </p:cSld>
+  <p:clrMapOvr>
+    <a:masterClrMapping/>
+  </p:clrMapOvr>
+</p:notes>
+</file>
+
+<file path=ppt/notesSlides/notesSlide3.xml><?xml version="1.0" encoding="utf-8"?>
+<p:notes xmlns:a="http://schemas.openxmlformats.org/drawingml/2006/main" xmlns:r="http://schemas.openxmlformats.org/officeDocument/2006/relationships" xmlns:p="http://schemas.openxmlformats.org/presentationml/2006/main">
+  <p:cSld>
+    <p:spTree>
+      <p:nvGrpSpPr>
+        <p:cNvPr id="1" name=""/>
+        <p:cNvGrpSpPr/>
+        <p:nvPr/>
+      </p:nvGrpSpPr>
+      <p:grpSpPr>
+        <a:xfrm>
+          <a:off x="0" y="0"/>
+          <a:ext cx="0" cy="0"/>
+          <a:chOff x="0" y="0"/>
+          <a:chExt cx="0" cy="0"/>
+        </a:xfrm>
+      </p:grpSpPr>
+      <p:sp>
+        <p:nvSpPr>
+          <p:cNvPr id="2" name="Folienbildplatzhalter 1"/>
+          <p:cNvSpPr>
+            <a:spLocks noGrp="1" noRot="1" noChangeAspect="1"/>
+          </p:cNvSpPr>
+          <p:nvPr>
+            <p:ph type="sldImg"/>
+          </p:nvPr>
+        </p:nvSpPr>
+        <p:spPr/>
+      </p:sp>
+      <p:sp>
+        <p:nvSpPr>
+          <p:cNvPr id="3" name="Notizenplatzhalter 2"/>
+          <p:cNvSpPr>
+            <a:spLocks noGrp="1"/>
+          </p:cNvSpPr>
+          <p:nvPr>
+            <p:ph type="body" idx="1"/>
+          </p:nvPr>
+        </p:nvSpPr>
+        <p:spPr/>
+        <p:txBody>
+          <a:bodyPr/>
+          <a:lstStyle/>
+          <a:p>
+            <a:r>
+              <a:rPr lang="de-DE" dirty="0" smtClean="0"/>
+              <a:t>Niklas</a:t>
+            </a:r>
+            <a:endParaRPr lang="en-US" dirty="0"/>
+          </a:p>
+        </p:txBody>
+      </p:sp>
+    </p:spTree>
+    <p:extLst>
+      <p:ext uri="{BB962C8B-B14F-4D97-AF65-F5344CB8AC3E}">
+        <p14:creationId xmlns:p14="http://schemas.microsoft.com/office/powerpoint/2010/main" val="4073280365"/>
+      </p:ext>
+    </p:extLst>
+  </p:cSld>
+  <p:clrMapOvr>
+    <a:masterClrMapping/>
+  </p:clrMapOvr>
+</p:notes>
+</file>
+
+<file path=ppt/notesSlides/notesSlide4.xml><?xml version="1.0" encoding="utf-8"?>
+<p:notes xmlns:a="http://schemas.openxmlformats.org/drawingml/2006/main" xmlns:r="http://schemas.openxmlformats.org/officeDocument/2006/relationships" xmlns:p="http://schemas.openxmlformats.org/presentationml/2006/main">
+  <p:cSld>
+    <p:spTree>
+      <p:nvGrpSpPr>
+        <p:cNvPr id="1" name=""/>
+        <p:cNvGrpSpPr/>
+        <p:nvPr/>
+      </p:nvGrpSpPr>
+      <p:grpSpPr>
+        <a:xfrm>
+          <a:off x="0" y="0"/>
+          <a:ext cx="0" cy="0"/>
+          <a:chOff x="0" y="0"/>
+          <a:chExt cx="0" cy="0"/>
+        </a:xfrm>
+      </p:grpSpPr>
+      <p:sp>
+        <p:nvSpPr>
+          <p:cNvPr id="2" name="Folienbildplatzhalter 1"/>
+          <p:cNvSpPr>
+            <a:spLocks noGrp="1" noRot="1" noChangeAspect="1"/>
+          </p:cNvSpPr>
+          <p:nvPr>
+            <p:ph type="sldImg"/>
+          </p:nvPr>
+        </p:nvSpPr>
+        <p:spPr/>
+      </p:sp>
+      <p:sp>
+        <p:nvSpPr>
+          <p:cNvPr id="3" name="Notizenplatzhalter 2"/>
+          <p:cNvSpPr>
+            <a:spLocks noGrp="1"/>
+          </p:cNvSpPr>
+          <p:nvPr>
+            <p:ph type="body" idx="1"/>
+          </p:nvPr>
+        </p:nvSpPr>
+        <p:spPr/>
+        <p:txBody>
+          <a:bodyPr/>
+          <a:lstStyle/>
+          <a:p>
+            <a:r>
+              <a:rPr lang="de-DE" dirty="0" smtClean="0"/>
+              <a:t>Frank</a:t>
+            </a:r>
+            <a:endParaRPr lang="en-US" dirty="0"/>
+          </a:p>
+        </p:txBody>
+      </p:sp>
+    </p:spTree>
+    <p:extLst>
+      <p:ext uri="{BB962C8B-B14F-4D97-AF65-F5344CB8AC3E}">
+        <p14:creationId xmlns:p14="http://schemas.microsoft.com/office/powerpoint/2010/main" val="4243148010"/>
+      </p:ext>
+    </p:extLst>
+  </p:cSld>
+  <p:clrMapOvr>
+    <a:masterClrMapping/>
+  </p:clrMapOvr>
+</p:notes>
+</file>
+
 <file path=ppt/slideLayouts/slideLayout1.xml><?xml version="1.0" encoding="utf-8"?>
 <p:sldLayout xmlns:a="http://schemas.openxmlformats.org/drawingml/2006/main" xmlns:r="http://schemas.openxmlformats.org/officeDocument/2006/relationships" xmlns:p="http://schemas.openxmlformats.org/presentationml/2006/main" showMasterSp="0" preserve="1" userDrawn="1">
   <p:cSld name="Nur Titel / Langer Titel">
@@ -4466,9 +4730,6 @@
               </a:rPr>
               <a:t>Skriptprogrammierung Blockkurs – Team Sicherheit</a:t>
             </a:r>
-            <a:endParaRPr lang="de-DE" dirty="0" smtClean="0">
-              <a:latin typeface="Calibri" panose="020F0502020204030204" pitchFamily="34" charset="0"/>
-            </a:endParaRPr>
           </a:p>
           <a:p>
             <a:pPr fontAlgn="auto">
@@ -5418,7 +5679,11 @@
           <a:bodyPr/>
           <a:lstStyle/>
           <a:p>
-            <a:endParaRPr lang="en-US"/>
+            <a:r>
+              <a:rPr lang="de-DE" dirty="0" smtClean="0"/>
+              <a:t>Inhaltsverzeichnis</a:t>
+            </a:r>
+            <a:endParaRPr lang="en-US" dirty="0"/>
           </a:p>
         </p:txBody>
       </p:sp>
@@ -5437,7 +5702,37 @@
           <a:bodyPr/>
           <a:lstStyle/>
           <a:p>
-            <a:endParaRPr lang="en-US"/>
+            <a:r>
+              <a:rPr lang="de-DE" dirty="0" smtClean="0"/>
+              <a:t>Client-Server-Kommunikation</a:t>
+            </a:r>
+          </a:p>
+          <a:p>
+            <a:r>
+              <a:rPr lang="de-DE" dirty="0" smtClean="0"/>
+              <a:t>Datenbank</a:t>
+            </a:r>
+          </a:p>
+          <a:p>
+            <a:r>
+              <a:rPr lang="de-DE" dirty="0" smtClean="0"/>
+              <a:t>Cross-Site-Scripting</a:t>
+            </a:r>
+          </a:p>
+          <a:p>
+            <a:r>
+              <a:rPr lang="de-DE" dirty="0" smtClean="0"/>
+              <a:t>.</a:t>
+            </a:r>
+            <a:r>
+              <a:rPr lang="de-DE" dirty="0" err="1" smtClean="0"/>
+              <a:t>htaccess</a:t>
+            </a:r>
+            <a:r>
+              <a:rPr lang="de-DE" dirty="0" smtClean="0"/>
+              <a:t>-file</a:t>
+            </a:r>
+            <a:endParaRPr lang="en-US" dirty="0"/>
           </a:p>
         </p:txBody>
       </p:sp>
@@ -5482,6 +5777,1402 @@
       </p:par>
     </p:tnLst>
   </p:timing>
+</p:sld>
+</file>
+
+<file path=ppt/slides/slide3.xml><?xml version="1.0" encoding="utf-8"?>
+<p:sld xmlns:a="http://schemas.openxmlformats.org/drawingml/2006/main" xmlns:r="http://schemas.openxmlformats.org/officeDocument/2006/relationships" xmlns:p="http://schemas.openxmlformats.org/presentationml/2006/main">
+  <p:cSld>
+    <p:spTree>
+      <p:nvGrpSpPr>
+        <p:cNvPr id="1" name=""/>
+        <p:cNvGrpSpPr/>
+        <p:nvPr/>
+      </p:nvGrpSpPr>
+      <p:grpSpPr>
+        <a:xfrm>
+          <a:off x="0" y="0"/>
+          <a:ext cx="0" cy="0"/>
+          <a:chOff x="0" y="0"/>
+          <a:chExt cx="0" cy="0"/>
+        </a:xfrm>
+      </p:grpSpPr>
+      <p:sp>
+        <p:nvSpPr>
+          <p:cNvPr id="2" name="Titel 1"/>
+          <p:cNvSpPr>
+            <a:spLocks noGrp="1"/>
+          </p:cNvSpPr>
+          <p:nvPr>
+            <p:ph type="title"/>
+          </p:nvPr>
+        </p:nvSpPr>
+        <p:spPr/>
+        <p:txBody>
+          <a:bodyPr/>
+          <a:lstStyle/>
+          <a:p>
+            <a:r>
+              <a:rPr lang="de-DE" dirty="0" smtClean="0"/>
+              <a:t>Client-Server-Kommunikation</a:t>
+            </a:r>
+            <a:endParaRPr lang="en-US" dirty="0"/>
+          </a:p>
+        </p:txBody>
+      </p:sp>
+      <p:sp>
+        <p:nvSpPr>
+          <p:cNvPr id="3" name="Textplatzhalter 2"/>
+          <p:cNvSpPr>
+            <a:spLocks noGrp="1"/>
+          </p:cNvSpPr>
+          <p:nvPr>
+            <p:ph type="body" sz="quarter" idx="13"/>
+          </p:nvPr>
+        </p:nvSpPr>
+        <p:spPr/>
+        <p:txBody>
+          <a:bodyPr>
+            <a:normAutofit lnSpcReduction="10000"/>
+          </a:bodyPr>
+          <a:lstStyle/>
+          <a:p>
+            <a:r>
+              <a:rPr lang="de-DE" dirty="0" smtClean="0"/>
+              <a:t>Kommunikationsprotokoll</a:t>
+            </a:r>
+          </a:p>
+          <a:p>
+            <a:pPr lvl="1"/>
+            <a:r>
+              <a:rPr lang="de-DE" dirty="0" smtClean="0"/>
+              <a:t>Client (JavaScript): </a:t>
+            </a:r>
+            <a:br>
+              <a:rPr lang="de-DE" dirty="0" smtClean="0"/>
+            </a:br>
+            <a:r>
+              <a:rPr lang="en-US" altLang="en-US" sz="2000" b="1" dirty="0" smtClean="0">
+                <a:solidFill>
+                  <a:srgbClr val="660E7A"/>
+                </a:solidFill>
+                <a:latin typeface="Courier New" panose="02070309020205020404" pitchFamily="49" charset="0"/>
+                <a:cs typeface="Courier New" panose="02070309020205020404" pitchFamily="49" charset="0"/>
+              </a:rPr>
+              <a:t>$</a:t>
+            </a:r>
+            <a:r>
+              <a:rPr lang="en-US" altLang="en-US" sz="2000" dirty="0" smtClean="0">
+                <a:solidFill>
+                  <a:srgbClr val="000000"/>
+                </a:solidFill>
+                <a:latin typeface="Courier New" panose="02070309020205020404" pitchFamily="49" charset="0"/>
+                <a:cs typeface="Courier New" panose="02070309020205020404" pitchFamily="49" charset="0"/>
+              </a:rPr>
+              <a:t>.</a:t>
+            </a:r>
+            <a:r>
+              <a:rPr lang="en-US" altLang="en-US" sz="2000" dirty="0">
+                <a:solidFill>
+                  <a:srgbClr val="000000"/>
+                </a:solidFill>
+                <a:latin typeface="Courier New" panose="02070309020205020404" pitchFamily="49" charset="0"/>
+                <a:cs typeface="Courier New" panose="02070309020205020404" pitchFamily="49" charset="0"/>
+              </a:rPr>
+              <a:t>post(</a:t>
+            </a:r>
+            <a:r>
+              <a:rPr lang="en-US" altLang="en-US" sz="2000" b="1" dirty="0">
+                <a:solidFill>
+                  <a:srgbClr val="008000"/>
+                </a:solidFill>
+                <a:latin typeface="Courier New" panose="02070309020205020404" pitchFamily="49" charset="0"/>
+                <a:cs typeface="Courier New" panose="02070309020205020404" pitchFamily="49" charset="0"/>
+              </a:rPr>
+              <a:t>'</a:t>
+            </a:r>
+            <a:r>
+              <a:rPr lang="en-US" altLang="en-US" sz="2000" b="1" dirty="0" err="1">
+                <a:solidFill>
+                  <a:srgbClr val="008000"/>
+                </a:solidFill>
+                <a:latin typeface="Courier New" panose="02070309020205020404" pitchFamily="49" charset="0"/>
+                <a:cs typeface="Courier New" panose="02070309020205020404" pitchFamily="49" charset="0"/>
+              </a:rPr>
+              <a:t>game_post.php</a:t>
+            </a:r>
+            <a:r>
+              <a:rPr lang="en-US" altLang="en-US" sz="2000" b="1" dirty="0" smtClean="0">
+                <a:solidFill>
+                  <a:srgbClr val="008000"/>
+                </a:solidFill>
+                <a:latin typeface="Courier New" panose="02070309020205020404" pitchFamily="49" charset="0"/>
+                <a:cs typeface="Courier New" panose="02070309020205020404" pitchFamily="49" charset="0"/>
+              </a:rPr>
+              <a:t>'</a:t>
+            </a:r>
+            <a:r>
+              <a:rPr lang="en-US" altLang="en-US" sz="2000" dirty="0" smtClean="0">
+                <a:solidFill>
+                  <a:srgbClr val="000000"/>
+                </a:solidFill>
+                <a:latin typeface="Courier New" panose="02070309020205020404" pitchFamily="49" charset="0"/>
+                <a:cs typeface="Courier New" panose="02070309020205020404" pitchFamily="49" charset="0"/>
+              </a:rPr>
+              <a:t>,{</a:t>
+            </a:r>
+            <a:r>
+              <a:rPr lang="en-US" altLang="en-US" sz="2000" b="1" dirty="0" smtClean="0">
+                <a:solidFill>
+                  <a:srgbClr val="660E7A"/>
+                </a:solidFill>
+                <a:latin typeface="Courier New" panose="02070309020205020404" pitchFamily="49" charset="0"/>
+                <a:cs typeface="Courier New" panose="02070309020205020404" pitchFamily="49" charset="0"/>
+              </a:rPr>
+              <a:t>'column</a:t>
+            </a:r>
+            <a:r>
+              <a:rPr lang="en-US" altLang="en-US" sz="2000" b="1" dirty="0">
+                <a:solidFill>
+                  <a:srgbClr val="660E7A"/>
+                </a:solidFill>
+                <a:latin typeface="Courier New" panose="02070309020205020404" pitchFamily="49" charset="0"/>
+                <a:cs typeface="Courier New" panose="02070309020205020404" pitchFamily="49" charset="0"/>
+              </a:rPr>
+              <a:t>'</a:t>
+            </a:r>
+            <a:r>
+              <a:rPr lang="en-US" altLang="en-US" sz="2000" dirty="0">
+                <a:solidFill>
+                  <a:srgbClr val="000000"/>
+                </a:solidFill>
+                <a:latin typeface="Courier New" panose="02070309020205020404" pitchFamily="49" charset="0"/>
+                <a:cs typeface="Courier New" panose="02070309020205020404" pitchFamily="49" charset="0"/>
+              </a:rPr>
+              <a:t>: </a:t>
+            </a:r>
+            <a:r>
+              <a:rPr lang="en-US" altLang="en-US" sz="2000" b="1" dirty="0" smtClean="0">
+                <a:solidFill>
+                  <a:srgbClr val="660E7A"/>
+                </a:solidFill>
+                <a:latin typeface="Courier New" panose="02070309020205020404" pitchFamily="49" charset="0"/>
+                <a:cs typeface="Courier New" panose="02070309020205020404" pitchFamily="49" charset="0"/>
+              </a:rPr>
+              <a:t>2</a:t>
+            </a:r>
+            <a:r>
+              <a:rPr lang="en-US" altLang="en-US" sz="2000" dirty="0" smtClean="0">
+                <a:solidFill>
+                  <a:srgbClr val="000000"/>
+                </a:solidFill>
+                <a:latin typeface="Courier New" panose="02070309020205020404" pitchFamily="49" charset="0"/>
+                <a:cs typeface="Courier New" panose="02070309020205020404" pitchFamily="49" charset="0"/>
+              </a:rPr>
+              <a:t>, </a:t>
+            </a:r>
+            <a:br>
+              <a:rPr lang="en-US" altLang="en-US" sz="2000" dirty="0" smtClean="0">
+                <a:solidFill>
+                  <a:srgbClr val="000000"/>
+                </a:solidFill>
+                <a:latin typeface="Courier New" panose="02070309020205020404" pitchFamily="49" charset="0"/>
+                <a:cs typeface="Courier New" panose="02070309020205020404" pitchFamily="49" charset="0"/>
+              </a:rPr>
+            </a:br>
+            <a:r>
+              <a:rPr lang="en-US" altLang="en-US" sz="2000" b="1" dirty="0" smtClean="0">
+                <a:solidFill>
+                  <a:srgbClr val="660E7A"/>
+                </a:solidFill>
+                <a:latin typeface="Courier New" panose="02070309020205020404" pitchFamily="49" charset="0"/>
+                <a:cs typeface="Courier New" panose="02070309020205020404" pitchFamily="49" charset="0"/>
+              </a:rPr>
+              <a:t>'action</a:t>
+            </a:r>
+            <a:r>
+              <a:rPr lang="en-US" altLang="en-US" sz="2000" b="1" dirty="0">
+                <a:solidFill>
+                  <a:srgbClr val="660E7A"/>
+                </a:solidFill>
+                <a:latin typeface="Courier New" panose="02070309020205020404" pitchFamily="49" charset="0"/>
+                <a:cs typeface="Courier New" panose="02070309020205020404" pitchFamily="49" charset="0"/>
+              </a:rPr>
+              <a:t>' </a:t>
+            </a:r>
+            <a:r>
+              <a:rPr lang="en-US" altLang="en-US" sz="2000" dirty="0">
+                <a:solidFill>
+                  <a:srgbClr val="000000"/>
+                </a:solidFill>
+                <a:latin typeface="Courier New" panose="02070309020205020404" pitchFamily="49" charset="0"/>
+                <a:cs typeface="Courier New" panose="02070309020205020404" pitchFamily="49" charset="0"/>
+              </a:rPr>
+              <a:t>:</a:t>
+            </a:r>
+            <a:r>
+              <a:rPr lang="en-US" altLang="en-US" sz="2000" b="1" dirty="0">
+                <a:solidFill>
+                  <a:srgbClr val="008000"/>
+                </a:solidFill>
+                <a:latin typeface="Courier New" panose="02070309020205020404" pitchFamily="49" charset="0"/>
+                <a:cs typeface="Courier New" panose="02070309020205020404" pitchFamily="49" charset="0"/>
+              </a:rPr>
+              <a:t>'turn</a:t>
+            </a:r>
+            <a:r>
+              <a:rPr lang="en-US" altLang="en-US" sz="2000" b="1" dirty="0" smtClean="0">
+                <a:solidFill>
+                  <a:srgbClr val="008000"/>
+                </a:solidFill>
+                <a:latin typeface="Courier New" panose="02070309020205020404" pitchFamily="49" charset="0"/>
+                <a:cs typeface="Courier New" panose="02070309020205020404" pitchFamily="49" charset="0"/>
+              </a:rPr>
+              <a:t>'</a:t>
+            </a:r>
+            <a:r>
+              <a:rPr lang="en-US" altLang="en-US" sz="2000" dirty="0" smtClean="0">
+                <a:solidFill>
+                  <a:srgbClr val="000000"/>
+                </a:solidFill>
+                <a:latin typeface="Courier New" panose="02070309020205020404" pitchFamily="49" charset="0"/>
+                <a:cs typeface="Courier New" panose="02070309020205020404" pitchFamily="49" charset="0"/>
+              </a:rPr>
+              <a:t>})</a:t>
+            </a:r>
+          </a:p>
+          <a:p>
+            <a:pPr lvl="1"/>
+            <a:r>
+              <a:rPr lang="de-DE" altLang="en-US" dirty="0" smtClean="0"/>
+              <a:t>Server (PHP): </a:t>
+            </a:r>
+            <a:br>
+              <a:rPr lang="de-DE" altLang="en-US" dirty="0" smtClean="0"/>
+            </a:br>
+            <a:r>
+              <a:rPr lang="en-US" altLang="en-US" sz="2000" dirty="0">
+                <a:solidFill>
+                  <a:srgbClr val="660000"/>
+                </a:solidFill>
+                <a:latin typeface="Courier New" panose="02070309020205020404" pitchFamily="49" charset="0"/>
+                <a:cs typeface="Courier New" panose="02070309020205020404" pitchFamily="49" charset="0"/>
+              </a:rPr>
+              <a:t>$array </a:t>
+            </a:r>
+            <a:r>
+              <a:rPr lang="en-US" altLang="en-US" sz="2000" dirty="0">
+                <a:solidFill>
+                  <a:srgbClr val="000000"/>
+                </a:solidFill>
+                <a:latin typeface="Courier New" panose="02070309020205020404" pitchFamily="49" charset="0"/>
+                <a:cs typeface="Courier New" panose="02070309020205020404" pitchFamily="49" charset="0"/>
+              </a:rPr>
+              <a:t>= </a:t>
+            </a:r>
+            <a:r>
+              <a:rPr lang="en-US" altLang="en-US" sz="2000" b="1" dirty="0">
+                <a:solidFill>
+                  <a:srgbClr val="000080"/>
+                </a:solidFill>
+                <a:latin typeface="Courier New" panose="02070309020205020404" pitchFamily="49" charset="0"/>
+                <a:cs typeface="Courier New" panose="02070309020205020404" pitchFamily="49" charset="0"/>
+              </a:rPr>
+              <a:t>array</a:t>
+            </a:r>
+            <a:r>
+              <a:rPr lang="en-US" altLang="en-US" sz="2000" dirty="0">
+                <a:solidFill>
+                  <a:srgbClr val="000000"/>
+                </a:solidFill>
+                <a:latin typeface="Courier New" panose="02070309020205020404" pitchFamily="49" charset="0"/>
+                <a:cs typeface="Courier New" panose="02070309020205020404" pitchFamily="49" charset="0"/>
+              </a:rPr>
+              <a:t>();</a:t>
+            </a:r>
+            <a:br>
+              <a:rPr lang="en-US" altLang="en-US" sz="2000" dirty="0">
+                <a:solidFill>
+                  <a:srgbClr val="000000"/>
+                </a:solidFill>
+                <a:latin typeface="Courier New" panose="02070309020205020404" pitchFamily="49" charset="0"/>
+                <a:cs typeface="Courier New" panose="02070309020205020404" pitchFamily="49" charset="0"/>
+              </a:rPr>
+            </a:br>
+            <a:r>
+              <a:rPr lang="en-US" altLang="en-US" sz="2000" dirty="0">
+                <a:solidFill>
+                  <a:srgbClr val="660000"/>
+                </a:solidFill>
+                <a:latin typeface="Courier New" panose="02070309020205020404" pitchFamily="49" charset="0"/>
+                <a:cs typeface="Courier New" panose="02070309020205020404" pitchFamily="49" charset="0"/>
+              </a:rPr>
+              <a:t>$array</a:t>
+            </a:r>
+            <a:r>
+              <a:rPr lang="en-US" altLang="en-US" sz="2000" dirty="0">
+                <a:solidFill>
+                  <a:srgbClr val="000000"/>
+                </a:solidFill>
+                <a:latin typeface="Courier New" panose="02070309020205020404" pitchFamily="49" charset="0"/>
+                <a:cs typeface="Courier New" panose="02070309020205020404" pitchFamily="49" charset="0"/>
+              </a:rPr>
+              <a:t>[</a:t>
+            </a:r>
+            <a:r>
+              <a:rPr lang="en-US" altLang="en-US" sz="2000" b="1" dirty="0">
+                <a:solidFill>
+                  <a:srgbClr val="008000"/>
+                </a:solidFill>
+                <a:latin typeface="Courier New" panose="02070309020205020404" pitchFamily="49" charset="0"/>
+                <a:cs typeface="Courier New" panose="02070309020205020404" pitchFamily="49" charset="0"/>
+              </a:rPr>
+              <a:t>"board"</a:t>
+            </a:r>
+            <a:r>
+              <a:rPr lang="en-US" altLang="en-US" sz="2000" dirty="0">
+                <a:solidFill>
+                  <a:srgbClr val="000000"/>
+                </a:solidFill>
+                <a:latin typeface="Courier New" panose="02070309020205020404" pitchFamily="49" charset="0"/>
+                <a:cs typeface="Courier New" panose="02070309020205020404" pitchFamily="49" charset="0"/>
+              </a:rPr>
+              <a:t>] = </a:t>
+            </a:r>
+            <a:r>
+              <a:rPr lang="en-US" altLang="en-US" sz="2000" dirty="0" smtClean="0">
+                <a:solidFill>
+                  <a:srgbClr val="000000"/>
+                </a:solidFill>
+                <a:latin typeface="Courier New" panose="02070309020205020404" pitchFamily="49" charset="0"/>
+                <a:cs typeface="Courier New" panose="02070309020205020404" pitchFamily="49" charset="0"/>
+              </a:rPr>
+              <a:t/>
+            </a:r>
+            <a:br>
+              <a:rPr lang="en-US" altLang="en-US" sz="2000" dirty="0" smtClean="0">
+                <a:solidFill>
+                  <a:srgbClr val="000000"/>
+                </a:solidFill>
+                <a:latin typeface="Courier New" panose="02070309020205020404" pitchFamily="49" charset="0"/>
+                <a:cs typeface="Courier New" panose="02070309020205020404" pitchFamily="49" charset="0"/>
+              </a:rPr>
+            </a:br>
+            <a:r>
+              <a:rPr lang="en-US" altLang="en-US" sz="2000" dirty="0" smtClean="0">
+                <a:solidFill>
+                  <a:srgbClr val="000000"/>
+                </a:solidFill>
+                <a:latin typeface="Courier New" panose="02070309020205020404" pitchFamily="49" charset="0"/>
+                <a:cs typeface="Courier New" panose="02070309020205020404" pitchFamily="49" charset="0"/>
+              </a:rPr>
+              <a:t>  </a:t>
+            </a:r>
+            <a:r>
+              <a:rPr lang="en-US" altLang="en-US" sz="2000" i="1" dirty="0" err="1" smtClean="0">
+                <a:solidFill>
+                  <a:srgbClr val="000000"/>
+                </a:solidFill>
+                <a:latin typeface="Courier New" panose="02070309020205020404" pitchFamily="49" charset="0"/>
+                <a:cs typeface="Courier New" panose="02070309020205020404" pitchFamily="49" charset="0"/>
+              </a:rPr>
+              <a:t>unserialize</a:t>
+            </a:r>
+            <a:r>
+              <a:rPr lang="en-US" altLang="en-US" sz="2000" dirty="0">
+                <a:solidFill>
+                  <a:srgbClr val="000000"/>
+                </a:solidFill>
+                <a:latin typeface="Courier New" panose="02070309020205020404" pitchFamily="49" charset="0"/>
+                <a:cs typeface="Courier New" panose="02070309020205020404" pitchFamily="49" charset="0"/>
+              </a:rPr>
+              <a:t>(</a:t>
+            </a:r>
+            <a:r>
+              <a:rPr lang="en-US" altLang="en-US" sz="2000" dirty="0">
+                <a:solidFill>
+                  <a:srgbClr val="660000"/>
+                </a:solidFill>
+                <a:latin typeface="Courier New" panose="02070309020205020404" pitchFamily="49" charset="0"/>
+                <a:cs typeface="Courier New" panose="02070309020205020404" pitchFamily="49" charset="0"/>
+              </a:rPr>
+              <a:t>$_SESSION</a:t>
+            </a:r>
+            <a:r>
+              <a:rPr lang="en-US" altLang="en-US" sz="2000" dirty="0">
+                <a:solidFill>
+                  <a:srgbClr val="000000"/>
+                </a:solidFill>
+                <a:latin typeface="Courier New" panose="02070309020205020404" pitchFamily="49" charset="0"/>
+                <a:cs typeface="Courier New" panose="02070309020205020404" pitchFamily="49" charset="0"/>
+              </a:rPr>
+              <a:t>[</a:t>
+            </a:r>
+            <a:r>
+              <a:rPr lang="en-US" altLang="en-US" sz="2000" b="1" dirty="0">
+                <a:solidFill>
+                  <a:srgbClr val="008000"/>
+                </a:solidFill>
+                <a:latin typeface="Courier New" panose="02070309020205020404" pitchFamily="49" charset="0"/>
+                <a:cs typeface="Courier New" panose="02070309020205020404" pitchFamily="49" charset="0"/>
+              </a:rPr>
+              <a:t>'board</a:t>
+            </a:r>
+            <a:r>
+              <a:rPr lang="en-US" altLang="en-US" sz="2000" b="1" dirty="0" smtClean="0">
+                <a:solidFill>
+                  <a:srgbClr val="008000"/>
+                </a:solidFill>
+                <a:latin typeface="Courier New" panose="02070309020205020404" pitchFamily="49" charset="0"/>
+                <a:cs typeface="Courier New" panose="02070309020205020404" pitchFamily="49" charset="0"/>
+              </a:rPr>
+              <a:t>'</a:t>
+            </a:r>
+            <a:r>
+              <a:rPr lang="en-US" altLang="en-US" sz="2000" dirty="0" smtClean="0">
+                <a:solidFill>
+                  <a:srgbClr val="000000"/>
+                </a:solidFill>
+                <a:latin typeface="Courier New" panose="02070309020205020404" pitchFamily="49" charset="0"/>
+                <a:cs typeface="Courier New" panose="02070309020205020404" pitchFamily="49" charset="0"/>
+              </a:rPr>
+              <a:t>])-&gt;</a:t>
+            </a:r>
+            <a:r>
+              <a:rPr lang="en-US" altLang="en-US" sz="2000" dirty="0" err="1">
+                <a:solidFill>
+                  <a:srgbClr val="000000"/>
+                </a:solidFill>
+                <a:latin typeface="Courier New" panose="02070309020205020404" pitchFamily="49" charset="0"/>
+                <a:cs typeface="Courier New" panose="02070309020205020404" pitchFamily="49" charset="0"/>
+              </a:rPr>
+              <a:t>toJSON</a:t>
+            </a:r>
+            <a:r>
+              <a:rPr lang="en-US" altLang="en-US" sz="2000" dirty="0">
+                <a:solidFill>
+                  <a:srgbClr val="000000"/>
+                </a:solidFill>
+                <a:latin typeface="Courier New" panose="02070309020205020404" pitchFamily="49" charset="0"/>
+                <a:cs typeface="Courier New" panose="02070309020205020404" pitchFamily="49" charset="0"/>
+              </a:rPr>
+              <a:t>();</a:t>
+            </a:r>
+            <a:br>
+              <a:rPr lang="en-US" altLang="en-US" sz="2000" dirty="0">
+                <a:solidFill>
+                  <a:srgbClr val="000000"/>
+                </a:solidFill>
+                <a:latin typeface="Courier New" panose="02070309020205020404" pitchFamily="49" charset="0"/>
+                <a:cs typeface="Courier New" panose="02070309020205020404" pitchFamily="49" charset="0"/>
+              </a:rPr>
+            </a:br>
+            <a:r>
+              <a:rPr lang="en-US" altLang="en-US" sz="2000" dirty="0">
+                <a:solidFill>
+                  <a:srgbClr val="660000"/>
+                </a:solidFill>
+                <a:latin typeface="Courier New" panose="02070309020205020404" pitchFamily="49" charset="0"/>
+                <a:cs typeface="Courier New" panose="02070309020205020404" pitchFamily="49" charset="0"/>
+              </a:rPr>
+              <a:t>$array</a:t>
+            </a:r>
+            <a:r>
+              <a:rPr lang="en-US" altLang="en-US" sz="2000" dirty="0">
+                <a:solidFill>
+                  <a:srgbClr val="000000"/>
+                </a:solidFill>
+                <a:latin typeface="Courier New" panose="02070309020205020404" pitchFamily="49" charset="0"/>
+                <a:cs typeface="Courier New" panose="02070309020205020404" pitchFamily="49" charset="0"/>
+              </a:rPr>
+              <a:t>[</a:t>
+            </a:r>
+            <a:r>
+              <a:rPr lang="en-US" altLang="en-US" sz="2000" b="1" dirty="0">
+                <a:solidFill>
+                  <a:srgbClr val="008000"/>
+                </a:solidFill>
+                <a:latin typeface="Courier New" panose="02070309020205020404" pitchFamily="49" charset="0"/>
+                <a:cs typeface="Courier New" panose="02070309020205020404" pitchFamily="49" charset="0"/>
+              </a:rPr>
+              <a:t>"message"</a:t>
+            </a:r>
+            <a:r>
+              <a:rPr lang="en-US" altLang="en-US" sz="2000" dirty="0">
+                <a:solidFill>
+                  <a:srgbClr val="000000"/>
+                </a:solidFill>
+                <a:latin typeface="Courier New" panose="02070309020205020404" pitchFamily="49" charset="0"/>
+                <a:cs typeface="Courier New" panose="02070309020205020404" pitchFamily="49" charset="0"/>
+              </a:rPr>
+              <a:t>] = </a:t>
+            </a:r>
+            <a:r>
+              <a:rPr lang="en-US" altLang="en-US" sz="2000" dirty="0">
+                <a:solidFill>
+                  <a:srgbClr val="660000"/>
+                </a:solidFill>
+                <a:latin typeface="Courier New" panose="02070309020205020404" pitchFamily="49" charset="0"/>
+                <a:cs typeface="Courier New" panose="02070309020205020404" pitchFamily="49" charset="0"/>
+              </a:rPr>
+              <a:t>$message</a:t>
+            </a:r>
+            <a:r>
+              <a:rPr lang="en-US" altLang="en-US" sz="2000" dirty="0">
+                <a:solidFill>
+                  <a:srgbClr val="000000"/>
+                </a:solidFill>
+                <a:latin typeface="Courier New" panose="02070309020205020404" pitchFamily="49" charset="0"/>
+                <a:cs typeface="Courier New" panose="02070309020205020404" pitchFamily="49" charset="0"/>
+              </a:rPr>
+              <a:t>;</a:t>
+            </a:r>
+            <a:br>
+              <a:rPr lang="en-US" altLang="en-US" sz="2000" dirty="0">
+                <a:solidFill>
+                  <a:srgbClr val="000000"/>
+                </a:solidFill>
+                <a:latin typeface="Courier New" panose="02070309020205020404" pitchFamily="49" charset="0"/>
+                <a:cs typeface="Courier New" panose="02070309020205020404" pitchFamily="49" charset="0"/>
+              </a:rPr>
+            </a:br>
+            <a:r>
+              <a:rPr lang="en-US" altLang="en-US" sz="2000" b="1" dirty="0">
+                <a:solidFill>
+                  <a:srgbClr val="000080"/>
+                </a:solidFill>
+                <a:latin typeface="Courier New" panose="02070309020205020404" pitchFamily="49" charset="0"/>
+                <a:cs typeface="Courier New" panose="02070309020205020404" pitchFamily="49" charset="0"/>
+              </a:rPr>
+              <a:t>echo </a:t>
+            </a:r>
+            <a:r>
+              <a:rPr lang="en-US" altLang="en-US" sz="2000" dirty="0" err="1">
+                <a:solidFill>
+                  <a:srgbClr val="000000"/>
+                </a:solidFill>
+                <a:latin typeface="Courier New" panose="02070309020205020404" pitchFamily="49" charset="0"/>
+                <a:cs typeface="Courier New" panose="02070309020205020404" pitchFamily="49" charset="0"/>
+              </a:rPr>
+              <a:t>json_encode</a:t>
+            </a:r>
+            <a:r>
+              <a:rPr lang="en-US" altLang="en-US" sz="2000" dirty="0">
+                <a:solidFill>
+                  <a:srgbClr val="000000"/>
+                </a:solidFill>
+                <a:latin typeface="Courier New" panose="02070309020205020404" pitchFamily="49" charset="0"/>
+                <a:cs typeface="Courier New" panose="02070309020205020404" pitchFamily="49" charset="0"/>
+              </a:rPr>
+              <a:t>(</a:t>
+            </a:r>
+            <a:r>
+              <a:rPr lang="en-US" altLang="en-US" sz="2000" dirty="0">
+                <a:solidFill>
+                  <a:srgbClr val="660000"/>
+                </a:solidFill>
+                <a:latin typeface="Courier New" panose="02070309020205020404" pitchFamily="49" charset="0"/>
+                <a:cs typeface="Courier New" panose="02070309020205020404" pitchFamily="49" charset="0"/>
+              </a:rPr>
+              <a:t>$array</a:t>
+            </a:r>
+            <a:r>
+              <a:rPr lang="en-US" altLang="en-US" sz="2000" dirty="0" smtClean="0">
+                <a:solidFill>
+                  <a:srgbClr val="000000"/>
+                </a:solidFill>
+                <a:latin typeface="Courier New" panose="02070309020205020404" pitchFamily="49" charset="0"/>
+                <a:cs typeface="Courier New" panose="02070309020205020404" pitchFamily="49" charset="0"/>
+              </a:rPr>
+              <a:t>);</a:t>
+            </a:r>
+            <a:endParaRPr lang="de-DE" altLang="en-US" sz="2000" dirty="0"/>
+          </a:p>
+          <a:p>
+            <a:r>
+              <a:rPr lang="de-DE" altLang="en-US" dirty="0" smtClean="0">
+                <a:latin typeface="+mj-lt"/>
+              </a:rPr>
+              <a:t>Validierung von Benutzereingaben</a:t>
+            </a:r>
+          </a:p>
+          <a:p>
+            <a:pPr lvl="1"/>
+            <a:r>
+              <a:rPr lang="en-US" altLang="en-US" sz="2000" dirty="0">
+                <a:solidFill>
+                  <a:srgbClr val="660000"/>
+                </a:solidFill>
+                <a:latin typeface="Courier New" panose="02070309020205020404" pitchFamily="49" charset="0"/>
+                <a:cs typeface="Courier New" panose="02070309020205020404" pitchFamily="49" charset="0"/>
+              </a:rPr>
+              <a:t>$</a:t>
+            </a:r>
+            <a:r>
+              <a:rPr lang="en-US" altLang="en-US" sz="2000" dirty="0" err="1">
+                <a:solidFill>
+                  <a:srgbClr val="660000"/>
+                </a:solidFill>
+                <a:latin typeface="Courier New" panose="02070309020205020404" pitchFamily="49" charset="0"/>
+                <a:cs typeface="Courier New" panose="02070309020205020404" pitchFamily="49" charset="0"/>
+              </a:rPr>
+              <a:t>columnRange</a:t>
+            </a:r>
+            <a:r>
+              <a:rPr lang="en-US" altLang="en-US" sz="2000" dirty="0">
+                <a:solidFill>
+                  <a:srgbClr val="660000"/>
+                </a:solidFill>
+                <a:latin typeface="Courier New" panose="02070309020205020404" pitchFamily="49" charset="0"/>
+                <a:cs typeface="Courier New" panose="02070309020205020404" pitchFamily="49" charset="0"/>
+              </a:rPr>
+              <a:t> </a:t>
+            </a:r>
+            <a:r>
+              <a:rPr lang="en-US" altLang="en-US" sz="2000" dirty="0">
+                <a:solidFill>
+                  <a:srgbClr val="000000"/>
+                </a:solidFill>
+                <a:latin typeface="Courier New" panose="02070309020205020404" pitchFamily="49" charset="0"/>
+                <a:cs typeface="Courier New" panose="02070309020205020404" pitchFamily="49" charset="0"/>
+              </a:rPr>
+              <a:t>= </a:t>
+            </a:r>
+            <a:r>
+              <a:rPr lang="en-US" altLang="en-US" sz="2000" b="1" dirty="0">
+                <a:solidFill>
+                  <a:srgbClr val="000080"/>
+                </a:solidFill>
+                <a:latin typeface="Courier New" panose="02070309020205020404" pitchFamily="49" charset="0"/>
+                <a:cs typeface="Courier New" panose="02070309020205020404" pitchFamily="49" charset="0"/>
+              </a:rPr>
+              <a:t>array</a:t>
+            </a:r>
+            <a:r>
+              <a:rPr lang="en-US" altLang="en-US" sz="2000" dirty="0">
+                <a:solidFill>
+                  <a:srgbClr val="000000"/>
+                </a:solidFill>
+                <a:latin typeface="Courier New" panose="02070309020205020404" pitchFamily="49" charset="0"/>
+                <a:cs typeface="Courier New" panose="02070309020205020404" pitchFamily="49" charset="0"/>
+              </a:rPr>
+              <a:t>(</a:t>
+            </a:r>
+            <a:r>
+              <a:rPr lang="en-US" altLang="en-US" sz="2000" b="1" dirty="0">
+                <a:solidFill>
+                  <a:srgbClr val="008000"/>
+                </a:solidFill>
+                <a:latin typeface="Courier New" panose="02070309020205020404" pitchFamily="49" charset="0"/>
+                <a:cs typeface="Courier New" panose="02070309020205020404" pitchFamily="49" charset="0"/>
+              </a:rPr>
+              <a:t>'options' </a:t>
+            </a:r>
+            <a:r>
+              <a:rPr lang="en-US" altLang="en-US" sz="2000" dirty="0">
+                <a:solidFill>
+                  <a:srgbClr val="000000"/>
+                </a:solidFill>
+                <a:latin typeface="Courier New" panose="02070309020205020404" pitchFamily="49" charset="0"/>
+                <a:cs typeface="Courier New" panose="02070309020205020404" pitchFamily="49" charset="0"/>
+              </a:rPr>
+              <a:t>=&gt; </a:t>
+            </a:r>
+            <a:r>
+              <a:rPr lang="en-US" altLang="en-US" sz="2000" b="1" dirty="0">
+                <a:solidFill>
+                  <a:srgbClr val="000080"/>
+                </a:solidFill>
+                <a:latin typeface="Courier New" panose="02070309020205020404" pitchFamily="49" charset="0"/>
+                <a:cs typeface="Courier New" panose="02070309020205020404" pitchFamily="49" charset="0"/>
+              </a:rPr>
+              <a:t>array</a:t>
+            </a:r>
+            <a:r>
+              <a:rPr lang="en-US" altLang="en-US" sz="2000" dirty="0">
+                <a:solidFill>
+                  <a:srgbClr val="000000"/>
+                </a:solidFill>
+                <a:latin typeface="Courier New" panose="02070309020205020404" pitchFamily="49" charset="0"/>
+                <a:cs typeface="Courier New" panose="02070309020205020404" pitchFamily="49" charset="0"/>
+              </a:rPr>
+              <a:t>(</a:t>
+            </a:r>
+            <a:r>
+              <a:rPr lang="en-US" altLang="en-US" sz="2000" b="1" dirty="0">
+                <a:solidFill>
+                  <a:srgbClr val="008000"/>
+                </a:solidFill>
+                <a:latin typeface="Courier New" panose="02070309020205020404" pitchFamily="49" charset="0"/>
+                <a:cs typeface="Courier New" panose="02070309020205020404" pitchFamily="49" charset="0"/>
+              </a:rPr>
+              <a:t>'</a:t>
+            </a:r>
+            <a:r>
+              <a:rPr lang="en-US" altLang="en-US" sz="2000" b="1" dirty="0" err="1">
+                <a:solidFill>
+                  <a:srgbClr val="008000"/>
+                </a:solidFill>
+                <a:latin typeface="Courier New" panose="02070309020205020404" pitchFamily="49" charset="0"/>
+                <a:cs typeface="Courier New" panose="02070309020205020404" pitchFamily="49" charset="0"/>
+              </a:rPr>
+              <a:t>min_range</a:t>
+            </a:r>
+            <a:r>
+              <a:rPr lang="en-US" altLang="en-US" sz="2000" b="1" dirty="0">
+                <a:solidFill>
+                  <a:srgbClr val="008000"/>
+                </a:solidFill>
+                <a:latin typeface="Courier New" panose="02070309020205020404" pitchFamily="49" charset="0"/>
+                <a:cs typeface="Courier New" panose="02070309020205020404" pitchFamily="49" charset="0"/>
+              </a:rPr>
+              <a:t>' </a:t>
+            </a:r>
+            <a:r>
+              <a:rPr lang="en-US" altLang="en-US" sz="2000" dirty="0">
+                <a:solidFill>
+                  <a:srgbClr val="000000"/>
+                </a:solidFill>
+                <a:latin typeface="Courier New" panose="02070309020205020404" pitchFamily="49" charset="0"/>
+                <a:cs typeface="Courier New" panose="02070309020205020404" pitchFamily="49" charset="0"/>
+              </a:rPr>
+              <a:t>=&gt; </a:t>
+            </a:r>
+            <a:r>
+              <a:rPr lang="en-US" altLang="en-US" sz="2000" dirty="0">
+                <a:solidFill>
+                  <a:srgbClr val="0000FF"/>
+                </a:solidFill>
+                <a:latin typeface="Courier New" panose="02070309020205020404" pitchFamily="49" charset="0"/>
+                <a:cs typeface="Courier New" panose="02070309020205020404" pitchFamily="49" charset="0"/>
+              </a:rPr>
+              <a:t>0</a:t>
+            </a:r>
+            <a:r>
+              <a:rPr lang="en-US" altLang="en-US" sz="2000" dirty="0">
+                <a:solidFill>
+                  <a:srgbClr val="000000"/>
+                </a:solidFill>
+                <a:latin typeface="Courier New" panose="02070309020205020404" pitchFamily="49" charset="0"/>
+                <a:cs typeface="Courier New" panose="02070309020205020404" pitchFamily="49" charset="0"/>
+              </a:rPr>
+              <a:t>, </a:t>
+            </a:r>
+            <a:r>
+              <a:rPr lang="en-US" altLang="en-US" sz="2000" b="1" dirty="0">
+                <a:solidFill>
+                  <a:srgbClr val="008000"/>
+                </a:solidFill>
+                <a:latin typeface="Courier New" panose="02070309020205020404" pitchFamily="49" charset="0"/>
+                <a:cs typeface="Courier New" panose="02070309020205020404" pitchFamily="49" charset="0"/>
+              </a:rPr>
+              <a:t>'</a:t>
+            </a:r>
+            <a:r>
+              <a:rPr lang="en-US" altLang="en-US" sz="2000" b="1" dirty="0" err="1">
+                <a:solidFill>
+                  <a:srgbClr val="008000"/>
+                </a:solidFill>
+                <a:latin typeface="Courier New" panose="02070309020205020404" pitchFamily="49" charset="0"/>
+                <a:cs typeface="Courier New" panose="02070309020205020404" pitchFamily="49" charset="0"/>
+              </a:rPr>
+              <a:t>max_range</a:t>
+            </a:r>
+            <a:r>
+              <a:rPr lang="en-US" altLang="en-US" sz="2000" b="1" dirty="0">
+                <a:solidFill>
+                  <a:srgbClr val="008000"/>
+                </a:solidFill>
+                <a:latin typeface="Courier New" panose="02070309020205020404" pitchFamily="49" charset="0"/>
+                <a:cs typeface="Courier New" panose="02070309020205020404" pitchFamily="49" charset="0"/>
+              </a:rPr>
+              <a:t>' </a:t>
+            </a:r>
+            <a:r>
+              <a:rPr lang="en-US" altLang="en-US" sz="2000" dirty="0">
+                <a:solidFill>
+                  <a:srgbClr val="000000"/>
+                </a:solidFill>
+                <a:latin typeface="Courier New" panose="02070309020205020404" pitchFamily="49" charset="0"/>
+                <a:cs typeface="Courier New" panose="02070309020205020404" pitchFamily="49" charset="0"/>
+              </a:rPr>
+              <a:t>=&gt; 6));</a:t>
+            </a:r>
+            <a:r>
+              <a:rPr lang="de-DE" altLang="en-US" sz="2000" dirty="0"/>
+              <a:t/>
+            </a:r>
+            <a:br>
+              <a:rPr lang="de-DE" altLang="en-US" sz="2000" dirty="0"/>
+            </a:br>
+            <a:r>
+              <a:rPr lang="en-US" altLang="en-US" sz="2000" dirty="0">
+                <a:solidFill>
+                  <a:srgbClr val="660000"/>
+                </a:solidFill>
+                <a:latin typeface="Courier New" panose="02070309020205020404" pitchFamily="49" charset="0"/>
+                <a:cs typeface="Courier New" panose="02070309020205020404" pitchFamily="49" charset="0"/>
+              </a:rPr>
+              <a:t>$column </a:t>
+            </a:r>
+            <a:r>
+              <a:rPr lang="en-US" altLang="en-US" sz="2000" dirty="0">
+                <a:solidFill>
+                  <a:srgbClr val="000000"/>
+                </a:solidFill>
+                <a:latin typeface="Courier New" panose="02070309020205020404" pitchFamily="49" charset="0"/>
+                <a:cs typeface="Courier New" panose="02070309020205020404" pitchFamily="49" charset="0"/>
+              </a:rPr>
+              <a:t>= </a:t>
+            </a:r>
+            <a:r>
+              <a:rPr lang="en-US" altLang="en-US" sz="2000" dirty="0" err="1">
+                <a:solidFill>
+                  <a:srgbClr val="000000"/>
+                </a:solidFill>
+                <a:latin typeface="Courier New" panose="02070309020205020404" pitchFamily="49" charset="0"/>
+                <a:cs typeface="Courier New" panose="02070309020205020404" pitchFamily="49" charset="0"/>
+              </a:rPr>
+              <a:t>filter_input</a:t>
+            </a:r>
+            <a:r>
+              <a:rPr lang="en-US" altLang="en-US" sz="2000" dirty="0">
+                <a:solidFill>
+                  <a:srgbClr val="000000"/>
+                </a:solidFill>
+                <a:latin typeface="Courier New" panose="02070309020205020404" pitchFamily="49" charset="0"/>
+                <a:cs typeface="Courier New" panose="02070309020205020404" pitchFamily="49" charset="0"/>
+              </a:rPr>
+              <a:t>(</a:t>
+            </a:r>
+            <a:r>
+              <a:rPr lang="en-US" altLang="en-US" sz="2000" b="1" i="1" dirty="0">
+                <a:solidFill>
+                  <a:srgbClr val="660E7A"/>
+                </a:solidFill>
+                <a:latin typeface="Courier New" panose="02070309020205020404" pitchFamily="49" charset="0"/>
+                <a:cs typeface="Courier New" panose="02070309020205020404" pitchFamily="49" charset="0"/>
+              </a:rPr>
+              <a:t>INPUT_POST</a:t>
+            </a:r>
+            <a:r>
+              <a:rPr lang="en-US" altLang="en-US" sz="2000" dirty="0">
+                <a:solidFill>
+                  <a:srgbClr val="000000"/>
+                </a:solidFill>
+                <a:latin typeface="Courier New" panose="02070309020205020404" pitchFamily="49" charset="0"/>
+                <a:cs typeface="Courier New" panose="02070309020205020404" pitchFamily="49" charset="0"/>
+              </a:rPr>
+              <a:t>, </a:t>
+            </a:r>
+            <a:r>
+              <a:rPr lang="en-US" altLang="en-US" sz="2000" b="1" dirty="0">
+                <a:solidFill>
+                  <a:srgbClr val="008000"/>
+                </a:solidFill>
+                <a:latin typeface="Courier New" panose="02070309020205020404" pitchFamily="49" charset="0"/>
+                <a:cs typeface="Courier New" panose="02070309020205020404" pitchFamily="49" charset="0"/>
+              </a:rPr>
+              <a:t>'column'</a:t>
+            </a:r>
+            <a:r>
+              <a:rPr lang="en-US" altLang="en-US" sz="2000" dirty="0">
+                <a:solidFill>
+                  <a:srgbClr val="000000"/>
+                </a:solidFill>
+                <a:latin typeface="Courier New" panose="02070309020205020404" pitchFamily="49" charset="0"/>
+                <a:cs typeface="Courier New" panose="02070309020205020404" pitchFamily="49" charset="0"/>
+              </a:rPr>
+              <a:t>, </a:t>
+            </a:r>
+            <a:r>
+              <a:rPr lang="en-US" altLang="en-US" sz="2000" b="1" i="1" dirty="0">
+                <a:solidFill>
+                  <a:srgbClr val="660E7A"/>
+                </a:solidFill>
+                <a:latin typeface="Courier New" panose="02070309020205020404" pitchFamily="49" charset="0"/>
+                <a:cs typeface="Courier New" panose="02070309020205020404" pitchFamily="49" charset="0"/>
+              </a:rPr>
+              <a:t>FILTER_VALIDATE_INT</a:t>
+            </a:r>
+            <a:r>
+              <a:rPr lang="en-US" altLang="en-US" sz="2000" dirty="0">
+                <a:solidFill>
+                  <a:srgbClr val="000000"/>
+                </a:solidFill>
+                <a:latin typeface="Courier New" panose="02070309020205020404" pitchFamily="49" charset="0"/>
+                <a:cs typeface="Courier New" panose="02070309020205020404" pitchFamily="49" charset="0"/>
+              </a:rPr>
+              <a:t>, </a:t>
+            </a:r>
+            <a:r>
+              <a:rPr lang="en-US" altLang="en-US" sz="2000" dirty="0">
+                <a:solidFill>
+                  <a:srgbClr val="660000"/>
+                </a:solidFill>
+                <a:latin typeface="Courier New" panose="02070309020205020404" pitchFamily="49" charset="0"/>
+                <a:cs typeface="Courier New" panose="02070309020205020404" pitchFamily="49" charset="0"/>
+              </a:rPr>
+              <a:t>$</a:t>
+            </a:r>
+            <a:r>
+              <a:rPr lang="en-US" altLang="en-US" sz="2000" dirty="0" err="1">
+                <a:solidFill>
+                  <a:srgbClr val="660000"/>
+                </a:solidFill>
+                <a:latin typeface="Courier New" panose="02070309020205020404" pitchFamily="49" charset="0"/>
+                <a:cs typeface="Courier New" panose="02070309020205020404" pitchFamily="49" charset="0"/>
+              </a:rPr>
+              <a:t>columnRange</a:t>
+            </a:r>
+            <a:r>
+              <a:rPr lang="en-US" altLang="en-US" sz="2000" dirty="0">
+                <a:solidFill>
+                  <a:srgbClr val="000000"/>
+                </a:solidFill>
+                <a:latin typeface="Courier New" panose="02070309020205020404" pitchFamily="49" charset="0"/>
+                <a:cs typeface="Courier New" panose="02070309020205020404" pitchFamily="49" charset="0"/>
+              </a:rPr>
+              <a:t>);</a:t>
+            </a:r>
+            <a:endParaRPr lang="de-DE" altLang="en-US" sz="2000" dirty="0"/>
+          </a:p>
+          <a:p>
+            <a:pPr lvl="1"/>
+            <a:endParaRPr lang="en-US" altLang="en-US" dirty="0">
+              <a:latin typeface="+mj-lt"/>
+            </a:endParaRPr>
+          </a:p>
+        </p:txBody>
+      </p:sp>
+      <p:sp>
+        <p:nvSpPr>
+          <p:cNvPr id="4" name="Foliennummernplatzhalter 3"/>
+          <p:cNvSpPr>
+            <a:spLocks noGrp="1"/>
+          </p:cNvSpPr>
+          <p:nvPr>
+            <p:ph type="sldNum" sz="quarter" idx="4"/>
+          </p:nvPr>
+        </p:nvSpPr>
+        <p:spPr/>
+        <p:txBody>
+          <a:bodyPr/>
+          <a:lstStyle/>
+          <a:p>
+            <a:fld id="{016ACDC5-9792-4EE2-846B-33470306C646}" type="slidenum">
+              <a:rPr lang="de-DE" smtClean="0"/>
+              <a:pPr/>
+              <a:t>3</a:t>
+            </a:fld>
+            <a:endParaRPr lang="de-DE" dirty="0"/>
+          </a:p>
+        </p:txBody>
+      </p:sp>
+    </p:spTree>
+    <p:extLst>
+      <p:ext uri="{BB962C8B-B14F-4D97-AF65-F5344CB8AC3E}">
+        <p14:creationId xmlns:p14="http://schemas.microsoft.com/office/powerpoint/2010/main" val="2651105621"/>
+      </p:ext>
+    </p:extLst>
+  </p:cSld>
+  <p:clrMapOvr>
+    <a:masterClrMapping/>
+  </p:clrMapOvr>
+</p:sld>
+</file>
+
+<file path=ppt/slides/slide4.xml><?xml version="1.0" encoding="utf-8"?>
+<p:sld xmlns:a="http://schemas.openxmlformats.org/drawingml/2006/main" xmlns:r="http://schemas.openxmlformats.org/officeDocument/2006/relationships" xmlns:p="http://schemas.openxmlformats.org/presentationml/2006/main">
+  <p:cSld>
+    <p:spTree>
+      <p:nvGrpSpPr>
+        <p:cNvPr id="1" name=""/>
+        <p:cNvGrpSpPr/>
+        <p:nvPr/>
+      </p:nvGrpSpPr>
+      <p:grpSpPr>
+        <a:xfrm>
+          <a:off x="0" y="0"/>
+          <a:ext cx="0" cy="0"/>
+          <a:chOff x="0" y="0"/>
+          <a:chExt cx="0" cy="0"/>
+        </a:xfrm>
+      </p:grpSpPr>
+      <p:sp>
+        <p:nvSpPr>
+          <p:cNvPr id="2" name="Titel 1"/>
+          <p:cNvSpPr>
+            <a:spLocks noGrp="1"/>
+          </p:cNvSpPr>
+          <p:nvPr>
+            <p:ph type="title"/>
+          </p:nvPr>
+        </p:nvSpPr>
+        <p:spPr/>
+        <p:txBody>
+          <a:bodyPr/>
+          <a:lstStyle/>
+          <a:p>
+            <a:r>
+              <a:rPr lang="de-DE" dirty="0" smtClean="0"/>
+              <a:t>Datenbank</a:t>
+            </a:r>
+            <a:endParaRPr lang="en-US" dirty="0"/>
+          </a:p>
+        </p:txBody>
+      </p:sp>
+      <p:sp>
+        <p:nvSpPr>
+          <p:cNvPr id="3" name="Textplatzhalter 2"/>
+          <p:cNvSpPr>
+            <a:spLocks noGrp="1"/>
+          </p:cNvSpPr>
+          <p:nvPr>
+            <p:ph type="body" sz="quarter" idx="13"/>
+          </p:nvPr>
+        </p:nvSpPr>
+        <p:spPr/>
+        <p:txBody>
+          <a:bodyPr/>
+          <a:lstStyle/>
+          <a:p>
+            <a:r>
+              <a:rPr lang="de-DE" dirty="0" err="1" smtClean="0"/>
+              <a:t>Prepared</a:t>
+            </a:r>
+            <a:r>
+              <a:rPr lang="de-DE" dirty="0" smtClean="0"/>
+              <a:t> </a:t>
+            </a:r>
+            <a:r>
+              <a:rPr lang="de-DE" dirty="0" err="1" smtClean="0"/>
+              <a:t>statements</a:t>
+            </a:r>
+            <a:endParaRPr lang="en-US" dirty="0"/>
+          </a:p>
+        </p:txBody>
+      </p:sp>
+      <p:sp>
+        <p:nvSpPr>
+          <p:cNvPr id="4" name="Foliennummernplatzhalter 3"/>
+          <p:cNvSpPr>
+            <a:spLocks noGrp="1"/>
+          </p:cNvSpPr>
+          <p:nvPr>
+            <p:ph type="sldNum" sz="quarter" idx="4"/>
+          </p:nvPr>
+        </p:nvSpPr>
+        <p:spPr/>
+        <p:txBody>
+          <a:bodyPr/>
+          <a:lstStyle/>
+          <a:p>
+            <a:fld id="{016ACDC5-9792-4EE2-846B-33470306C646}" type="slidenum">
+              <a:rPr lang="de-DE" smtClean="0"/>
+              <a:pPr/>
+              <a:t>4</a:t>
+            </a:fld>
+            <a:endParaRPr lang="de-DE" dirty="0"/>
+          </a:p>
+        </p:txBody>
+      </p:sp>
+    </p:spTree>
+    <p:extLst>
+      <p:ext uri="{BB962C8B-B14F-4D97-AF65-F5344CB8AC3E}">
+        <p14:creationId xmlns:p14="http://schemas.microsoft.com/office/powerpoint/2010/main" val="4167668944"/>
+      </p:ext>
+    </p:extLst>
+  </p:cSld>
+  <p:clrMapOvr>
+    <a:masterClrMapping/>
+  </p:clrMapOvr>
+</p:sld>
+</file>
+
+<file path=ppt/slides/slide5.xml><?xml version="1.0" encoding="utf-8"?>
+<p:sld xmlns:a="http://schemas.openxmlformats.org/drawingml/2006/main" xmlns:r="http://schemas.openxmlformats.org/officeDocument/2006/relationships" xmlns:p="http://schemas.openxmlformats.org/presentationml/2006/main">
+  <p:cSld>
+    <p:spTree>
+      <p:nvGrpSpPr>
+        <p:cNvPr id="1" name=""/>
+        <p:cNvGrpSpPr/>
+        <p:nvPr/>
+      </p:nvGrpSpPr>
+      <p:grpSpPr>
+        <a:xfrm>
+          <a:off x="0" y="0"/>
+          <a:ext cx="0" cy="0"/>
+          <a:chOff x="0" y="0"/>
+          <a:chExt cx="0" cy="0"/>
+        </a:xfrm>
+      </p:grpSpPr>
+      <p:sp>
+        <p:nvSpPr>
+          <p:cNvPr id="2" name="Titel 1"/>
+          <p:cNvSpPr>
+            <a:spLocks noGrp="1"/>
+          </p:cNvSpPr>
+          <p:nvPr>
+            <p:ph type="title"/>
+          </p:nvPr>
+        </p:nvSpPr>
+        <p:spPr/>
+        <p:txBody>
+          <a:bodyPr/>
+          <a:lstStyle/>
+          <a:p>
+            <a:r>
+              <a:rPr lang="de-DE" dirty="0" smtClean="0"/>
+              <a:t>Cross-Site-Scripting</a:t>
+            </a:r>
+            <a:endParaRPr lang="en-US" dirty="0"/>
+          </a:p>
+        </p:txBody>
+      </p:sp>
+      <p:sp>
+        <p:nvSpPr>
+          <p:cNvPr id="3" name="Textplatzhalter 2"/>
+          <p:cNvSpPr>
+            <a:spLocks noGrp="1"/>
+          </p:cNvSpPr>
+          <p:nvPr>
+            <p:ph type="body" sz="quarter" idx="13"/>
+          </p:nvPr>
+        </p:nvSpPr>
+        <p:spPr/>
+        <p:txBody>
+          <a:bodyPr/>
+          <a:lstStyle/>
+          <a:p>
+            <a:r>
+              <a:rPr lang="de-DE" dirty="0" err="1" smtClean="0"/>
+              <a:t>string</a:t>
+            </a:r>
+            <a:r>
+              <a:rPr lang="de-DE" dirty="0" smtClean="0"/>
+              <a:t> </a:t>
+            </a:r>
+            <a:r>
+              <a:rPr lang="de-DE" dirty="0" err="1" smtClean="0"/>
+              <a:t>htmlspecialchars</a:t>
+            </a:r>
+            <a:r>
+              <a:rPr lang="de-DE" dirty="0" smtClean="0"/>
+              <a:t>($</a:t>
+            </a:r>
+            <a:r>
+              <a:rPr lang="de-DE" dirty="0" err="1" smtClean="0"/>
+              <a:t>string</a:t>
+            </a:r>
+            <a:r>
+              <a:rPr lang="de-DE" dirty="0" smtClean="0"/>
+              <a:t>) verwenden</a:t>
+            </a:r>
+            <a:endParaRPr lang="en-US" dirty="0"/>
+          </a:p>
+        </p:txBody>
+      </p:sp>
+      <p:sp>
+        <p:nvSpPr>
+          <p:cNvPr id="4" name="Foliennummernplatzhalter 3"/>
+          <p:cNvSpPr>
+            <a:spLocks noGrp="1"/>
+          </p:cNvSpPr>
+          <p:nvPr>
+            <p:ph type="sldNum" sz="quarter" idx="4"/>
+          </p:nvPr>
+        </p:nvSpPr>
+        <p:spPr/>
+        <p:txBody>
+          <a:bodyPr/>
+          <a:lstStyle/>
+          <a:p>
+            <a:fld id="{016ACDC5-9792-4EE2-846B-33470306C646}" type="slidenum">
+              <a:rPr lang="de-DE" smtClean="0"/>
+              <a:pPr/>
+              <a:t>5</a:t>
+            </a:fld>
+            <a:endParaRPr lang="de-DE" dirty="0"/>
+          </a:p>
+        </p:txBody>
+      </p:sp>
+    </p:spTree>
+    <p:extLst>
+      <p:ext uri="{BB962C8B-B14F-4D97-AF65-F5344CB8AC3E}">
+        <p14:creationId xmlns:p14="http://schemas.microsoft.com/office/powerpoint/2010/main" val="3694794088"/>
+      </p:ext>
+    </p:extLst>
+  </p:cSld>
+  <p:clrMapOvr>
+    <a:masterClrMapping/>
+  </p:clrMapOvr>
+</p:sld>
+</file>
+
+<file path=ppt/slides/slide6.xml><?xml version="1.0" encoding="utf-8"?>
+<p:sld xmlns:a="http://schemas.openxmlformats.org/drawingml/2006/main" xmlns:r="http://schemas.openxmlformats.org/officeDocument/2006/relationships" xmlns:p="http://schemas.openxmlformats.org/presentationml/2006/main">
+  <p:cSld>
+    <p:spTree>
+      <p:nvGrpSpPr>
+        <p:cNvPr id="1" name=""/>
+        <p:cNvGrpSpPr/>
+        <p:nvPr/>
+      </p:nvGrpSpPr>
+      <p:grpSpPr>
+        <a:xfrm>
+          <a:off x="0" y="0"/>
+          <a:ext cx="0" cy="0"/>
+          <a:chOff x="0" y="0"/>
+          <a:chExt cx="0" cy="0"/>
+        </a:xfrm>
+      </p:grpSpPr>
+      <p:sp>
+        <p:nvSpPr>
+          <p:cNvPr id="2" name="Titel 1"/>
+          <p:cNvSpPr>
+            <a:spLocks noGrp="1"/>
+          </p:cNvSpPr>
+          <p:nvPr>
+            <p:ph type="title"/>
+          </p:nvPr>
+        </p:nvSpPr>
+        <p:spPr/>
+        <p:txBody>
+          <a:bodyPr/>
+          <a:lstStyle/>
+          <a:p>
+            <a:r>
+              <a:rPr lang="de-DE" dirty="0" smtClean="0"/>
+              <a:t>.</a:t>
+            </a:r>
+            <a:r>
+              <a:rPr lang="de-DE" dirty="0" err="1" smtClean="0"/>
+              <a:t>htaccess</a:t>
+            </a:r>
+            <a:r>
+              <a:rPr lang="de-DE" dirty="0"/>
+              <a:t>-</a:t>
+            </a:r>
+            <a:r>
+              <a:rPr lang="de-DE" dirty="0" smtClean="0"/>
+              <a:t>file</a:t>
+            </a:r>
+            <a:endParaRPr lang="en-US" dirty="0"/>
+          </a:p>
+        </p:txBody>
+      </p:sp>
+      <p:sp>
+        <p:nvSpPr>
+          <p:cNvPr id="3" name="Textplatzhalter 2"/>
+          <p:cNvSpPr>
+            <a:spLocks noGrp="1"/>
+          </p:cNvSpPr>
+          <p:nvPr>
+            <p:ph type="body" sz="quarter" idx="13"/>
+          </p:nvPr>
+        </p:nvSpPr>
+        <p:spPr/>
+        <p:txBody>
+          <a:bodyPr/>
+          <a:lstStyle/>
+          <a:p>
+            <a:r>
+              <a:rPr lang="de-DE" dirty="0" smtClean="0"/>
+              <a:t>Datei, mit der Apache Zugriffe verwaltet</a:t>
+            </a:r>
+          </a:p>
+          <a:p>
+            <a:r>
+              <a:rPr lang="de-DE" dirty="0" smtClean="0"/>
+              <a:t>Zugriff auf Ordner verbieten</a:t>
+            </a:r>
+          </a:p>
+          <a:p>
+            <a:pPr lvl="1"/>
+            <a:r>
+              <a:rPr lang="de-DE" dirty="0" err="1"/>
+              <a:t>d</a:t>
+            </a:r>
+            <a:r>
+              <a:rPr lang="de-DE" dirty="0" err="1" smtClean="0"/>
+              <a:t>eny</a:t>
+            </a:r>
+            <a:r>
+              <a:rPr lang="de-DE" dirty="0" smtClean="0"/>
+              <a:t> </a:t>
+            </a:r>
+            <a:r>
+              <a:rPr lang="de-DE" dirty="0" err="1" smtClean="0"/>
+              <a:t>from</a:t>
+            </a:r>
+            <a:r>
+              <a:rPr lang="de-DE" dirty="0" smtClean="0"/>
+              <a:t> all</a:t>
+            </a:r>
+          </a:p>
+          <a:p>
+            <a:r>
+              <a:rPr lang="de-DE" dirty="0" err="1" smtClean="0"/>
+              <a:t>iFrame</a:t>
+            </a:r>
+            <a:r>
+              <a:rPr lang="de-DE" dirty="0" smtClean="0"/>
+              <a:t>-Einbettung verhindern</a:t>
+            </a:r>
+          </a:p>
+          <a:p>
+            <a:pPr lvl="1"/>
+            <a:r>
+              <a:rPr lang="de-DE" dirty="0" smtClean="0"/>
+              <a:t>Header </a:t>
+            </a:r>
+            <a:r>
+              <a:rPr lang="de-DE" dirty="0" err="1" smtClean="0"/>
+              <a:t>append</a:t>
+            </a:r>
+            <a:r>
+              <a:rPr lang="de-DE" dirty="0" smtClean="0"/>
+              <a:t> X-FRAME-OPTIONS „SAMEORIGIN“</a:t>
+            </a:r>
+            <a:endParaRPr lang="en-US" dirty="0"/>
+          </a:p>
+        </p:txBody>
+      </p:sp>
+      <p:sp>
+        <p:nvSpPr>
+          <p:cNvPr id="4" name="Foliennummernplatzhalter 3"/>
+          <p:cNvSpPr>
+            <a:spLocks noGrp="1"/>
+          </p:cNvSpPr>
+          <p:nvPr>
+            <p:ph type="sldNum" sz="quarter" idx="4"/>
+          </p:nvPr>
+        </p:nvSpPr>
+        <p:spPr/>
+        <p:txBody>
+          <a:bodyPr/>
+          <a:lstStyle/>
+          <a:p>
+            <a:fld id="{016ACDC5-9792-4EE2-846B-33470306C646}" type="slidenum">
+              <a:rPr lang="de-DE" smtClean="0"/>
+              <a:pPr/>
+              <a:t>6</a:t>
+            </a:fld>
+            <a:endParaRPr lang="de-DE" dirty="0"/>
+          </a:p>
+        </p:txBody>
+      </p:sp>
+    </p:spTree>
+    <p:extLst>
+      <p:ext uri="{BB962C8B-B14F-4D97-AF65-F5344CB8AC3E}">
+        <p14:creationId xmlns:p14="http://schemas.microsoft.com/office/powerpoint/2010/main" val="509793436"/>
+      </p:ext>
+    </p:extLst>
+  </p:cSld>
+  <p:clrMapOvr>
+    <a:masterClrMapping/>
+  </p:clrMapOvr>
 </p:sld>
 </file>
 

--- a/Praesentation.pptx
+++ b/Praesentation.pptx
@@ -893,7 +893,7 @@
           <a:p>
             <a:r>
               <a:rPr lang="de-DE" dirty="0" smtClean="0"/>
-              <a:t>Stefan</a:t>
+              <a:t>Titelfolie</a:t>
             </a:r>
             <a:endParaRPr lang="en-US" dirty="0"/>
           </a:p>
@@ -902,7 +902,7 @@
     </p:spTree>
     <p:extLst>
       <p:ext uri="{BB962C8B-B14F-4D97-AF65-F5344CB8AC3E}">
-        <p14:creationId xmlns:p14="http://schemas.microsoft.com/office/powerpoint/2010/main" val="3014867911"/>
+        <p14:creationId xmlns:p14="http://schemas.microsoft.com/office/powerpoint/2010/main" val="3842130107"/>
       </p:ext>
     </p:extLst>
   </p:cSld>
@@ -957,17 +957,17 @@
           <a:lstStyle/>
           <a:p>
             <a:r>
-              <a:rPr lang="de-DE" dirty="0" smtClean="0"/>
-              <a:t>Marija</a:t>
-            </a:r>
-            <a:endParaRPr lang="en-US" dirty="0"/>
+              <a:rPr lang="de-DE" smtClean="0"/>
+              <a:t>Inhaltsverzeichnis</a:t>
+            </a:r>
+            <a:endParaRPr lang="en-US"/>
           </a:p>
         </p:txBody>
       </p:sp>
     </p:spTree>
     <p:extLst>
       <p:ext uri="{BB962C8B-B14F-4D97-AF65-F5344CB8AC3E}">
-        <p14:creationId xmlns:p14="http://schemas.microsoft.com/office/powerpoint/2010/main" val="3215830683"/>
+        <p14:creationId xmlns:p14="http://schemas.microsoft.com/office/powerpoint/2010/main" val="3484701809"/>
       </p:ext>
     </p:extLst>
   </p:cSld>
@@ -1023,6 +1023,136 @@
           <a:p>
             <a:r>
               <a:rPr lang="de-DE" dirty="0" smtClean="0"/>
+              <a:t>Stefan</a:t>
+            </a:r>
+            <a:endParaRPr lang="en-US" dirty="0"/>
+          </a:p>
+        </p:txBody>
+      </p:sp>
+    </p:spTree>
+    <p:extLst>
+      <p:ext uri="{BB962C8B-B14F-4D97-AF65-F5344CB8AC3E}">
+        <p14:creationId xmlns:p14="http://schemas.microsoft.com/office/powerpoint/2010/main" val="3014867911"/>
+      </p:ext>
+    </p:extLst>
+  </p:cSld>
+  <p:clrMapOvr>
+    <a:masterClrMapping/>
+  </p:clrMapOvr>
+</p:notes>
+</file>
+
+<file path=ppt/notesSlides/notesSlide4.xml><?xml version="1.0" encoding="utf-8"?>
+<p:notes xmlns:a="http://schemas.openxmlformats.org/drawingml/2006/main" xmlns:r="http://schemas.openxmlformats.org/officeDocument/2006/relationships" xmlns:p="http://schemas.openxmlformats.org/presentationml/2006/main">
+  <p:cSld>
+    <p:spTree>
+      <p:nvGrpSpPr>
+        <p:cNvPr id="1" name=""/>
+        <p:cNvGrpSpPr/>
+        <p:nvPr/>
+      </p:nvGrpSpPr>
+      <p:grpSpPr>
+        <a:xfrm>
+          <a:off x="0" y="0"/>
+          <a:ext cx="0" cy="0"/>
+          <a:chOff x="0" y="0"/>
+          <a:chExt cx="0" cy="0"/>
+        </a:xfrm>
+      </p:grpSpPr>
+      <p:sp>
+        <p:nvSpPr>
+          <p:cNvPr id="2" name="Folienbildplatzhalter 1"/>
+          <p:cNvSpPr>
+            <a:spLocks noGrp="1" noRot="1" noChangeAspect="1"/>
+          </p:cNvSpPr>
+          <p:nvPr>
+            <p:ph type="sldImg"/>
+          </p:nvPr>
+        </p:nvSpPr>
+        <p:spPr/>
+      </p:sp>
+      <p:sp>
+        <p:nvSpPr>
+          <p:cNvPr id="3" name="Notizenplatzhalter 2"/>
+          <p:cNvSpPr>
+            <a:spLocks noGrp="1"/>
+          </p:cNvSpPr>
+          <p:nvPr>
+            <p:ph type="body" idx="1"/>
+          </p:nvPr>
+        </p:nvSpPr>
+        <p:spPr/>
+        <p:txBody>
+          <a:bodyPr/>
+          <a:lstStyle/>
+          <a:p>
+            <a:r>
+              <a:rPr lang="de-DE" dirty="0" smtClean="0"/>
+              <a:t>Marija</a:t>
+            </a:r>
+            <a:endParaRPr lang="en-US" dirty="0"/>
+          </a:p>
+        </p:txBody>
+      </p:sp>
+    </p:spTree>
+    <p:extLst>
+      <p:ext uri="{BB962C8B-B14F-4D97-AF65-F5344CB8AC3E}">
+        <p14:creationId xmlns:p14="http://schemas.microsoft.com/office/powerpoint/2010/main" val="3215830683"/>
+      </p:ext>
+    </p:extLst>
+  </p:cSld>
+  <p:clrMapOvr>
+    <a:masterClrMapping/>
+  </p:clrMapOvr>
+</p:notes>
+</file>
+
+<file path=ppt/notesSlides/notesSlide5.xml><?xml version="1.0" encoding="utf-8"?>
+<p:notes xmlns:a="http://schemas.openxmlformats.org/drawingml/2006/main" xmlns:r="http://schemas.openxmlformats.org/officeDocument/2006/relationships" xmlns:p="http://schemas.openxmlformats.org/presentationml/2006/main">
+  <p:cSld>
+    <p:spTree>
+      <p:nvGrpSpPr>
+        <p:cNvPr id="1" name=""/>
+        <p:cNvGrpSpPr/>
+        <p:nvPr/>
+      </p:nvGrpSpPr>
+      <p:grpSpPr>
+        <a:xfrm>
+          <a:off x="0" y="0"/>
+          <a:ext cx="0" cy="0"/>
+          <a:chOff x="0" y="0"/>
+          <a:chExt cx="0" cy="0"/>
+        </a:xfrm>
+      </p:grpSpPr>
+      <p:sp>
+        <p:nvSpPr>
+          <p:cNvPr id="2" name="Folienbildplatzhalter 1"/>
+          <p:cNvSpPr>
+            <a:spLocks noGrp="1" noRot="1" noChangeAspect="1"/>
+          </p:cNvSpPr>
+          <p:nvPr>
+            <p:ph type="sldImg"/>
+          </p:nvPr>
+        </p:nvSpPr>
+        <p:spPr/>
+      </p:sp>
+      <p:sp>
+        <p:nvSpPr>
+          <p:cNvPr id="3" name="Notizenplatzhalter 2"/>
+          <p:cNvSpPr>
+            <a:spLocks noGrp="1"/>
+          </p:cNvSpPr>
+          <p:nvPr>
+            <p:ph type="body" idx="1"/>
+          </p:nvPr>
+        </p:nvSpPr>
+        <p:spPr/>
+        <p:txBody>
+          <a:bodyPr/>
+          <a:lstStyle/>
+          <a:p>
+            <a:r>
+              <a:rPr lang="de-DE" dirty="0" smtClean="0"/>
               <a:t>Niklas</a:t>
             </a:r>
             <a:endParaRPr lang="en-US" dirty="0"/>
@@ -1042,7 +1172,7 @@
 </p:notes>
 </file>
 
-<file path=ppt/notesSlides/notesSlide4.xml><?xml version="1.0" encoding="utf-8"?>
+<file path=ppt/notesSlides/notesSlide6.xml><?xml version="1.0" encoding="utf-8"?>
 <p:notes xmlns:a="http://schemas.openxmlformats.org/drawingml/2006/main" xmlns:r="http://schemas.openxmlformats.org/officeDocument/2006/relationships" xmlns:p="http://schemas.openxmlformats.org/presentationml/2006/main">
   <p:cSld>
     <p:spTree>
@@ -4745,7 +4875,19 @@
               <a:rPr lang="de-DE" dirty="0" smtClean="0">
                 <a:latin typeface="Calibri" panose="020F0502020204030204" pitchFamily="34" charset="0"/>
               </a:rPr>
-              <a:t>Felix Flesh, Frank Hinze,</a:t>
+              <a:t>Felix </a:t>
+            </a:r>
+            <a:r>
+              <a:rPr lang="de-DE" dirty="0" smtClean="0">
+                <a:latin typeface="Calibri" panose="020F0502020204030204" pitchFamily="34" charset="0"/>
+              </a:rPr>
+              <a:t>Flesch</a:t>
+            </a:r>
+            <a:r>
+              <a:rPr lang="de-DE" dirty="0" smtClean="0">
+                <a:latin typeface="Calibri" panose="020F0502020204030204" pitchFamily="34" charset="0"/>
+              </a:rPr>
+              <a:t>, Frank Hinze,</a:t>
             </a:r>
             <a:r>
               <a:rPr lang="de-DE" baseline="0" dirty="0" smtClean="0">
@@ -5562,7 +5704,11 @@
             </a:r>
             <a:r>
               <a:rPr lang="de-DE" dirty="0" smtClean="0"/>
-              <a:t>Flesh | </a:t>
+              <a:t>Flesch </a:t>
+            </a:r>
+            <a:r>
+              <a:rPr lang="de-DE" dirty="0" smtClean="0"/>
+              <a:t>| </a:t>
             </a:r>
             <a:r>
               <a:rPr lang="de-DE" dirty="0"/>
@@ -6779,6 +6925,13 @@
   <p:clrMapOvr>
     <a:masterClrMapping/>
   </p:clrMapOvr>
+  <p:timing>
+    <p:tnLst>
+      <p:par>
+        <p:cTn id="1" dur="indefinite" restart="never" nodeType="tmRoot"/>
+      </p:par>
+    </p:tnLst>
+  </p:timing>
 </p:sld>
 </file>
 
@@ -6837,17 +6990,215 @@
           <a:bodyPr/>
           <a:lstStyle/>
           <a:p>
+            <a:pPr lvl="0"/>
+            <a:r>
+              <a:rPr lang="en-US" dirty="0"/>
+              <a:t>	</a:t>
+            </a:r>
+            <a:r>
+              <a:rPr lang="de-DE" dirty="0"/>
+              <a:t>$</a:t>
+            </a:r>
+            <a:r>
+              <a:rPr lang="de-DE" dirty="0" err="1"/>
+              <a:t>sth</a:t>
+            </a:r>
+            <a:r>
+              <a:rPr lang="de-DE" dirty="0"/>
+              <a:t> = $</a:t>
+            </a:r>
+            <a:r>
+              <a:rPr lang="de-DE" dirty="0" err="1"/>
+              <a:t>dbh</a:t>
+            </a:r>
+            <a:r>
+              <a:rPr lang="de-DE" dirty="0"/>
+              <a:t>-&gt;</a:t>
+            </a:r>
+            <a:r>
+              <a:rPr lang="de-DE" dirty="0" err="1"/>
+              <a:t>prepare</a:t>
+            </a:r>
+            <a:r>
+              <a:rPr lang="de-DE" dirty="0"/>
+              <a:t>("UPDATE </a:t>
+            </a:r>
+            <a:r>
+              <a:rPr lang="de-DE" dirty="0" err="1"/>
+              <a:t>user</a:t>
+            </a:r>
+            <a:r>
+              <a:rPr lang="de-DE" dirty="0"/>
+              <a:t> SET </a:t>
+            </a:r>
+            <a:r>
+              <a:rPr lang="de-DE" dirty="0" smtClean="0"/>
+              <a:t/>
+            </a:r>
+            <a:br>
+              <a:rPr lang="de-DE" dirty="0" smtClean="0"/>
+            </a:br>
             <a:r>
               <a:rPr lang="de-DE" dirty="0" err="1" smtClean="0"/>
-              <a:t>Prepared</a:t>
+              <a:t>beschreibung</a:t>
             </a:r>
             <a:r>
               <a:rPr lang="de-DE" dirty="0" smtClean="0"/>
               <a:t> </a:t>
             </a:r>
             <a:r>
-              <a:rPr lang="de-DE" dirty="0" err="1" smtClean="0"/>
-              <a:t>statements</a:t>
+              <a:rPr lang="de-DE" dirty="0"/>
+              <a:t>= </a:t>
+            </a:r>
+            <a:r>
+              <a:rPr lang="de-DE" b="1" dirty="0"/>
+              <a:t>:</a:t>
+            </a:r>
+            <a:r>
+              <a:rPr lang="de-DE" b="1" dirty="0" err="1"/>
+              <a:t>beschreibung</a:t>
+            </a:r>
+            <a:r>
+              <a:rPr lang="de-DE" dirty="0"/>
+              <a:t> WHERE email = </a:t>
+            </a:r>
+            <a:r>
+              <a:rPr lang="de-DE" b="1" dirty="0"/>
+              <a:t>:mail</a:t>
+            </a:r>
+            <a:r>
+              <a:rPr lang="de-DE" dirty="0"/>
+              <a:t>");	$</a:t>
+            </a:r>
+            <a:r>
+              <a:rPr lang="de-DE" dirty="0" err="1"/>
+              <a:t>beschreibung</a:t>
+            </a:r>
+            <a:r>
+              <a:rPr lang="de-DE" dirty="0"/>
+              <a:t> = </a:t>
+            </a:r>
+            <a:r>
+              <a:rPr lang="de-DE" dirty="0" err="1"/>
+              <a:t>htmlspecialchars</a:t>
+            </a:r>
+            <a:r>
+              <a:rPr lang="de-DE" dirty="0"/>
+              <a:t>($_POST['</a:t>
+            </a:r>
+            <a:r>
+              <a:rPr lang="de-DE" dirty="0" err="1"/>
+              <a:t>beschreibung</a:t>
+            </a:r>
+            <a:r>
+              <a:rPr lang="de-DE" dirty="0"/>
+              <a:t>']);</a:t>
+            </a:r>
+            <a:endParaRPr lang="en-US" dirty="0"/>
+          </a:p>
+          <a:p>
+            <a:r>
+              <a:rPr lang="de-DE" dirty="0"/>
+              <a:t>	</a:t>
+            </a:r>
+            <a:r>
+              <a:rPr lang="en-US" dirty="0"/>
+              <a:t>$mail = </a:t>
+            </a:r>
+            <a:r>
+              <a:rPr lang="en-US" dirty="0" err="1"/>
+              <a:t>htmlspecialchars</a:t>
+            </a:r>
+            <a:r>
+              <a:rPr lang="en-US" dirty="0"/>
+              <a:t>($_SESSION['email']);</a:t>
+            </a:r>
+          </a:p>
+          <a:p>
+            <a:r>
+              <a:rPr lang="en-US" dirty="0"/>
+              <a:t>	</a:t>
+            </a:r>
+            <a:r>
+              <a:rPr lang="de-DE" dirty="0"/>
+              <a:t>$</a:t>
+            </a:r>
+            <a:r>
+              <a:rPr lang="de-DE" dirty="0" err="1"/>
+              <a:t>sth</a:t>
+            </a:r>
+            <a:r>
+              <a:rPr lang="de-DE" dirty="0"/>
+              <a:t>-&gt;</a:t>
+            </a:r>
+            <a:r>
+              <a:rPr lang="de-DE" b="1" dirty="0" err="1"/>
+              <a:t>bindParam</a:t>
+            </a:r>
+            <a:r>
+              <a:rPr lang="de-DE" dirty="0"/>
+              <a:t>(':</a:t>
+            </a:r>
+            <a:r>
+              <a:rPr lang="de-DE" dirty="0" err="1"/>
+              <a:t>beschreibung</a:t>
+            </a:r>
+            <a:r>
+              <a:rPr lang="de-DE" dirty="0"/>
+              <a:t>', $</a:t>
+            </a:r>
+            <a:r>
+              <a:rPr lang="de-DE" dirty="0" err="1"/>
+              <a:t>beschreibung</a:t>
+            </a:r>
+            <a:r>
+              <a:rPr lang="de-DE" dirty="0"/>
+              <a:t>);</a:t>
+            </a:r>
+            <a:endParaRPr lang="en-US" dirty="0"/>
+          </a:p>
+          <a:p>
+            <a:r>
+              <a:rPr lang="de-DE" dirty="0"/>
+              <a:t>	</a:t>
+            </a:r>
+            <a:r>
+              <a:rPr lang="en-US" dirty="0"/>
+              <a:t>$</a:t>
+            </a:r>
+            <a:r>
+              <a:rPr lang="en-US" dirty="0" err="1"/>
+              <a:t>sth</a:t>
+            </a:r>
+            <a:r>
+              <a:rPr lang="en-US" dirty="0"/>
+              <a:t>-&gt;</a:t>
+            </a:r>
+            <a:r>
+              <a:rPr lang="en-US" b="1" dirty="0" err="1"/>
+              <a:t>bindParam</a:t>
+            </a:r>
+            <a:r>
+              <a:rPr lang="en-US" dirty="0"/>
+              <a:t>(':mail', $mail);</a:t>
+            </a:r>
+          </a:p>
+          <a:p>
+            <a:r>
+              <a:rPr lang="en-US" dirty="0"/>
+              <a:t>	$</a:t>
+            </a:r>
+            <a:r>
+              <a:rPr lang="en-US" dirty="0" err="1"/>
+              <a:t>sth</a:t>
+            </a:r>
+            <a:r>
+              <a:rPr lang="en-US" dirty="0"/>
+              <a:t>-&gt;execute</a:t>
+            </a:r>
+            <a:r>
+              <a:rPr lang="en-US" dirty="0" smtClean="0"/>
+              <a:t>();</a:t>
             </a:r>
             <a:endParaRPr lang="en-US" dirty="0"/>
           </a:p>
@@ -6887,6 +7238,13 @@
   <p:clrMapOvr>
     <a:masterClrMapping/>
   </p:clrMapOvr>
+  <p:timing>
+    <p:tnLst>
+      <p:par>
+        <p:cTn id="1" dur="indefinite" restart="never" nodeType="tmRoot"/>
+      </p:par>
+    </p:tnLst>
+  </p:timing>
 </p:sld>
 </file>
 
@@ -6968,6 +7326,12 @@
             <a:r>
               <a:rPr lang="de-DE" dirty="0" smtClean="0"/>
               <a:t>) verwenden</a:t>
+            </a:r>
+          </a:p>
+          <a:p>
+            <a:r>
+              <a:rPr lang="de-DE" dirty="0" smtClean="0"/>
+              <a:t>Diese Funktion wandelt Sonderzeichen in HTML-Codes um</a:t>
             </a:r>
             <a:endParaRPr lang="en-US" dirty="0"/>
           </a:p>

--- a/Praesentation.pptx
+++ b/Praesentation.pptx
@@ -957,10 +957,10 @@
           <a:lstStyle/>
           <a:p>
             <a:r>
-              <a:rPr lang="de-DE" smtClean="0"/>
+              <a:rPr lang="de-DE" dirty="0" smtClean="0"/>
               <a:t>Inhaltsverzeichnis</a:t>
             </a:r>
-            <a:endParaRPr lang="en-US"/>
+            <a:endParaRPr lang="en-US" dirty="0"/>
           </a:p>
         </p:txBody>
       </p:sp>
@@ -1087,7 +1087,7 @@
           <a:lstStyle/>
           <a:p>
             <a:r>
-              <a:rPr lang="de-DE" dirty="0" smtClean="0"/>
+              <a:rPr lang="de-DE" smtClean="0"/>
               <a:t>Marija</a:t>
             </a:r>
             <a:endParaRPr lang="en-US" dirty="0"/>
@@ -7371,6 +7371,13 @@
   <p:clrMapOvr>
     <a:masterClrMapping/>
   </p:clrMapOvr>
+  <p:timing>
+    <p:tnLst>
+      <p:par>
+        <p:cTn id="1" dur="indefinite" restart="never" nodeType="tmRoot"/>
+      </p:par>
+    </p:tnLst>
+  </p:timing>
 </p:sld>
 </file>
 
@@ -7537,6 +7544,13 @@
   <p:clrMapOvr>
     <a:masterClrMapping/>
   </p:clrMapOvr>
+  <p:timing>
+    <p:tnLst>
+      <p:par>
+        <p:cTn id="1" dur="indefinite" restart="never" nodeType="tmRoot"/>
+      </p:par>
+    </p:tnLst>
+  </p:timing>
 </p:sld>
 </file>
 
